--- a/Trump Image.pptx
+++ b/Trump Image.pptx
@@ -2263,7 +2263,31 @@
                   <a:schemeClr val="tx1"/>
                 </a:solidFill>
               </a:rPr>
-              <a:t>Friday Nov2,2018</a:t>
+              <a:t>Ahmad </a:t>
+            </a:r>
+            <a:r>
+              <a:rPr lang="en-US" sz="2000" dirty="0" err="1">
+                <a:solidFill>
+                  <a:schemeClr val="tx1"/>
+                </a:solidFill>
+              </a:rPr>
+              <a:t>Bou</a:t>
+            </a:r>
+            <a:r>
+              <a:rPr lang="en-US" sz="2000">
+                <a:solidFill>
+                  <a:schemeClr val="tx1"/>
+                </a:solidFill>
+              </a:rPr>
+              <a:t> Merhi - Friday </a:t>
+            </a:r>
+            <a:r>
+              <a:rPr lang="en-US" sz="2000" dirty="0">
+                <a:solidFill>
+                  <a:schemeClr val="tx1"/>
+                </a:solidFill>
+              </a:rPr>
+              <a:t>Nov2,2018 </a:t>
             </a:r>
           </a:p>
         </p:txBody>
